--- a/연습문제 풀이/객체지향2 풀이.pptx
+++ b/연습문제 풀이/객체지향2 풀이.pptx
@@ -2,7 +2,7 @@
 <file path=ppt/presentation.xml><?xml version="1.0" encoding="utf-8"?>
 <p:presentation xmlns:r="http://schemas.openxmlformats.org/officeDocument/2006/relationships" xmlns:c="http://schemas.openxmlformats.org/drawingml/2006/chart" xmlns:a="http://schemas.openxmlformats.org/drawingml/2006/main" xmlns:dgm="http://schemas.openxmlformats.org/drawingml/2006/diagram" xmlns:dsp="http://schemas.microsoft.com/office/drawing/2008/diagram" xmlns:p="http://schemas.openxmlformats.org/presentationml/2006/main">
   <p:sldMasterIdLst>
-    <p:sldMasterId id="2147483664" r:id="rId1"/>
+    <p:sldMasterId id="2147483660" r:id="rId1"/>
   </p:sldMasterIdLst>
   <p:notesMasterIdLst>
     <p:notesMasterId r:id="rId2"/>
@@ -24,6 +24,8 @@
     <p:sldId id="307" r:id="rId16"/>
     <p:sldId id="308" r:id="rId17"/>
     <p:sldId id="309" r:id="rId18"/>
+    <p:sldId id="310" r:id="rId19"/>
+    <p:sldId id="311" r:id="rId20"/>
   </p:sldIdLst>
   <p:sldSz cx="12192000" cy="6858000"/>
   <p:notesSz cx="6858000" cy="9144000"/>
@@ -227,7 +229,7 @@
               <a:pPr lvl="0">
                 <a:defRPr/>
               </a:pPr>
-              <a:t>2022-05-09</a:t>
+              <a:t>2022-05-14</a:t>
             </a:fld>
             <a:endParaRPr lang="ko-KR" altLang="en-US"/>
           </a:p>
@@ -2170,6 +2172,798 @@
                 <a:defRPr/>
               </a:pPr>
               <a:t>16</a:t>
+            </a:fld>
+            <a:endParaRPr lang="en-US" altLang="en-US"/>
+          </a:p>
+        </p:txBody>
+      </p:sp>
+    </p:spTree>
+  </p:cSld>
+  <p:clrMapOvr>
+    <a:masterClrMapping/>
+  </p:clrMapOvr>
+</p:notes>
+</file>
+
+<file path=ppt/notesSlides/notesSlide17.xml><?xml version="1.0" encoding="utf-8"?>
+<p:notes xmlns:r="http://schemas.openxmlformats.org/officeDocument/2006/relationships" xmlns:c="http://schemas.openxmlformats.org/drawingml/2006/chart" xmlns:a="http://schemas.openxmlformats.org/drawingml/2006/main" xmlns:dgm="http://schemas.openxmlformats.org/drawingml/2006/diagram" xmlns:dsp="http://schemas.microsoft.com/office/drawing/2008/diagram" xmlns:p="http://schemas.openxmlformats.org/presentationml/2006/main">
+  <p:cSld>
+    <p:spTree>
+      <p:nvGrpSpPr>
+        <p:cNvPr id="1" name=""/>
+        <p:cNvGrpSpPr/>
+        <p:nvPr/>
+      </p:nvGrpSpPr>
+      <p:grpSpPr>
+        <a:xfrm>
+          <a:off x="0" y="0"/>
+          <a:ext cx="0" cy="0"/>
+          <a:chOff x="0" y="0"/>
+          <a:chExt cx="0" cy="0"/>
+        </a:xfrm>
+      </p:grpSpPr>
+      <p:sp>
+        <p:nvSpPr>
+          <p:cNvPr id="2" name="슬라이드 이미지 개체 틀 3"/>
+          <p:cNvSpPr>
+            <a:spLocks noGrp="1" noRot="1" noChangeAspect="1" noTextEdit="1"/>
+          </p:cNvSpPr>
+          <p:nvPr>
+            <p:ph type="sldImg" idx="2"/>
+          </p:nvPr>
+        </p:nvSpPr>
+        <p:spPr/>
+        <p:txBody>
+          <a:bodyPr/>
+          <a:lstStyle/>
+          <a:p>
+            <a:pPr>
+              <a:defRPr/>
+            </a:pPr>
+            <a:endParaRPr lang="ko-KR" altLang="en-US"/>
+          </a:p>
+        </p:txBody>
+      </p:sp>
+      <p:sp>
+        <p:nvSpPr>
+          <p:cNvPr id="3" name="슬라이드 노트 개체 틀 4"/>
+          <p:cNvSpPr>
+            <a:spLocks noGrp="1"/>
+          </p:cNvSpPr>
+          <p:nvPr>
+            <p:ph type="body" sz="quarter" idx="3"/>
+          </p:nvPr>
+        </p:nvSpPr>
+        <p:spPr/>
+        <p:txBody>
+          <a:bodyPr/>
+          <a:lstStyle/>
+          <a:p>
+            <a:pPr>
+              <a:defRPr/>
+            </a:pPr>
+            <a:r>
+              <a:rPr lang="en-US" altLang="ko-KR"/>
+              <a:t>import java.util.Scanner;</a:t>
+            </a:r>
+            <a:endParaRPr lang="en-US" altLang="ko-KR"/>
+          </a:p>
+          <a:p>
+            <a:pPr>
+              <a:defRPr/>
+            </a:pPr>
+            <a:endParaRPr lang="en-US" altLang="ko-KR"/>
+          </a:p>
+          <a:p>
+            <a:pPr>
+              <a:defRPr/>
+            </a:pPr>
+            <a:r>
+              <a:rPr lang="en-US" altLang="ko-KR"/>
+              <a:t>public class </a:t>
+            </a:r>
+            <a:r>
+              <a:rPr lang="ko-KR" altLang="en-US"/>
+              <a:t>지뢰문제</a:t>
+            </a:r>
+            <a:r>
+              <a:rPr lang="en-US" altLang="ko-KR"/>
+              <a:t> {</a:t>
+            </a:r>
+            <a:endParaRPr lang="en-US" altLang="ko-KR"/>
+          </a:p>
+          <a:p>
+            <a:pPr>
+              <a:defRPr/>
+            </a:pPr>
+            <a:r>
+              <a:rPr lang="en-US" altLang="ko-KR"/>
+              <a:t>	public static void main(String[] args) {</a:t>
+            </a:r>
+            <a:endParaRPr lang="en-US" altLang="ko-KR"/>
+          </a:p>
+          <a:p>
+            <a:pPr>
+              <a:defRPr/>
+            </a:pPr>
+            <a:r>
+              <a:rPr lang="en-US" altLang="ko-KR"/>
+              <a:t>		Scanner sc = new Scanner(System.in);</a:t>
+            </a:r>
+            <a:endParaRPr lang="en-US" altLang="ko-KR"/>
+          </a:p>
+          <a:p>
+            <a:pPr>
+              <a:defRPr/>
+            </a:pPr>
+            <a:endParaRPr lang="en-US" altLang="ko-KR"/>
+          </a:p>
+          <a:p>
+            <a:pPr>
+              <a:defRPr/>
+            </a:pPr>
+            <a:r>
+              <a:rPr lang="en-US" altLang="ko-KR"/>
+              <a:t>		int m = 5;</a:t>
+            </a:r>
+            <a:endParaRPr lang="en-US" altLang="ko-KR"/>
+          </a:p>
+          <a:p>
+            <a:pPr>
+              <a:defRPr/>
+            </a:pPr>
+            <a:r>
+              <a:rPr lang="en-US" altLang="ko-KR"/>
+              <a:t>		int n = 10;</a:t>
+            </a:r>
+            <a:endParaRPr lang="en-US" altLang="ko-KR"/>
+          </a:p>
+          <a:p>
+            <a:pPr>
+              <a:defRPr/>
+            </a:pPr>
+            <a:r>
+              <a:rPr lang="en-US" altLang="ko-KR"/>
+              <a:t>		double mp = 0.3;</a:t>
+            </a:r>
+            <a:endParaRPr lang="en-US" altLang="ko-KR"/>
+          </a:p>
+          <a:p>
+            <a:pPr>
+              <a:defRPr/>
+            </a:pPr>
+            <a:r>
+              <a:rPr lang="en-US" altLang="ko-KR"/>
+              <a:t>		// 답안확인을 용이하게 하기위해 일단 주석, 기본값이 들어간다</a:t>
+            </a:r>
+            <a:endParaRPr lang="en-US" altLang="ko-KR"/>
+          </a:p>
+          <a:p>
+            <a:pPr>
+              <a:defRPr/>
+            </a:pPr>
+            <a:endParaRPr lang="en-US" altLang="ko-KR"/>
+          </a:p>
+          <a:p>
+            <a:pPr>
+              <a:defRPr/>
+            </a:pPr>
+            <a:r>
+              <a:rPr lang="en-US" altLang="ko-KR"/>
+              <a:t>//        int m = sc.nextInt();</a:t>
+            </a:r>
+            <a:endParaRPr lang="en-US" altLang="ko-KR"/>
+          </a:p>
+          <a:p>
+            <a:pPr>
+              <a:defRPr/>
+            </a:pPr>
+            <a:r>
+              <a:rPr lang="en-US" altLang="ko-KR"/>
+              <a:t>//        int n = sc.nextInt();</a:t>
+            </a:r>
+            <a:endParaRPr lang="en-US" altLang="ko-KR"/>
+          </a:p>
+          <a:p>
+            <a:pPr>
+              <a:defRPr/>
+            </a:pPr>
+            <a:r>
+              <a:rPr lang="en-US" altLang="ko-KR"/>
+              <a:t>//        int mp= sc.nextInt();</a:t>
+            </a:r>
+            <a:endParaRPr lang="en-US" altLang="ko-KR"/>
+          </a:p>
+          <a:p>
+            <a:pPr>
+              <a:defRPr/>
+            </a:pPr>
+            <a:endParaRPr lang="en-US" altLang="ko-KR"/>
+          </a:p>
+          <a:p>
+            <a:pPr>
+              <a:defRPr/>
+            </a:pPr>
+            <a:r>
+              <a:rPr lang="en-US" altLang="ko-KR"/>
+              <a:t>		// 폭탄배열을 만드는 스크립트</a:t>
+            </a:r>
+            <a:endParaRPr lang="en-US" altLang="ko-KR"/>
+          </a:p>
+          <a:p>
+            <a:pPr>
+              <a:defRPr/>
+            </a:pPr>
+            <a:r>
+              <a:rPr lang="en-US" altLang="ko-KR"/>
+              <a:t>		char[][] arr_boom = new char[m][n]; // m,n에 맞는 행열 생성</a:t>
+            </a:r>
+            <a:endParaRPr lang="en-US" altLang="ko-KR"/>
+          </a:p>
+          <a:p>
+            <a:pPr>
+              <a:defRPr/>
+            </a:pPr>
+            <a:endParaRPr lang="en-US" altLang="ko-KR"/>
+          </a:p>
+          <a:p>
+            <a:pPr>
+              <a:defRPr/>
+            </a:pPr>
+            <a:r>
+              <a:rPr lang="en-US" altLang="ko-KR"/>
+              <a:t>		for (int i = 0; i &lt; arr_boom.length; i++) { // 행m의 크기만큼 반복</a:t>
+            </a:r>
+            <a:endParaRPr lang="en-US" altLang="ko-KR"/>
+          </a:p>
+          <a:p>
+            <a:pPr>
+              <a:defRPr/>
+            </a:pPr>
+            <a:r>
+              <a:rPr lang="en-US" altLang="ko-KR"/>
+              <a:t>			for (int j = 0; j &lt; arr_boom[i].length; j++) { // 열n의크기만큼 반복</a:t>
+            </a:r>
+            <a:endParaRPr lang="en-US" altLang="ko-KR"/>
+          </a:p>
+          <a:p>
+            <a:pPr>
+              <a:defRPr/>
+            </a:pPr>
+            <a:r>
+              <a:rPr lang="en-US" altLang="ko-KR"/>
+              <a:t>				double num = Math.random();</a:t>
+            </a:r>
+            <a:endParaRPr lang="en-US" altLang="ko-KR"/>
+          </a:p>
+          <a:p>
+            <a:pPr>
+              <a:defRPr/>
+            </a:pPr>
+            <a:r>
+              <a:rPr lang="en-US" altLang="ko-KR"/>
+              <a:t>				if (num &gt;= mp) { // 랜덤수 num이 0.3보다 클때 폭탄,또는 -</a:t>
+            </a:r>
+            <a:endParaRPr lang="en-US" altLang="ko-KR"/>
+          </a:p>
+          <a:p>
+            <a:pPr>
+              <a:defRPr/>
+            </a:pPr>
+            <a:r>
+              <a:rPr lang="en-US" altLang="ko-KR"/>
+              <a:t>					arr_boom[i][j] = '-';</a:t>
+            </a:r>
+            <a:endParaRPr lang="en-US" altLang="ko-KR"/>
+          </a:p>
+          <a:p>
+            <a:pPr>
+              <a:defRPr/>
+            </a:pPr>
+            <a:r>
+              <a:rPr lang="en-US" altLang="ko-KR"/>
+              <a:t>				} else {</a:t>
+            </a:r>
+            <a:endParaRPr lang="en-US" altLang="ko-KR"/>
+          </a:p>
+          <a:p>
+            <a:pPr>
+              <a:defRPr/>
+            </a:pPr>
+            <a:r>
+              <a:rPr lang="en-US" altLang="ko-KR"/>
+              <a:t>					arr_boom[i][j] = '*';</a:t>
+            </a:r>
+            <a:endParaRPr lang="en-US" altLang="ko-KR"/>
+          </a:p>
+          <a:p>
+            <a:pPr>
+              <a:defRPr/>
+            </a:pPr>
+            <a:r>
+              <a:rPr lang="en-US" altLang="ko-KR"/>
+              <a:t>				}</a:t>
+            </a:r>
+            <a:endParaRPr lang="en-US" altLang="ko-KR"/>
+          </a:p>
+          <a:p>
+            <a:pPr>
+              <a:defRPr/>
+            </a:pPr>
+            <a:r>
+              <a:rPr lang="en-US" altLang="ko-KR"/>
+              <a:t>			}</a:t>
+            </a:r>
+            <a:endParaRPr lang="en-US" altLang="ko-KR"/>
+          </a:p>
+          <a:p>
+            <a:pPr>
+              <a:defRPr/>
+            </a:pPr>
+            <a:r>
+              <a:rPr lang="en-US" altLang="ko-KR"/>
+              <a:t>		}</a:t>
+            </a:r>
+            <a:endParaRPr lang="en-US" altLang="ko-KR"/>
+          </a:p>
+          <a:p>
+            <a:pPr>
+              <a:defRPr/>
+            </a:pPr>
+            <a:r>
+              <a:rPr lang="en-US" altLang="ko-KR"/>
+              <a:t>		for (int i = 0; i &lt; arr_boom.length; i++) { // 행m의 크기만큼 반복</a:t>
+            </a:r>
+            <a:endParaRPr lang="en-US" altLang="ko-KR"/>
+          </a:p>
+          <a:p>
+            <a:pPr>
+              <a:defRPr/>
+            </a:pPr>
+            <a:r>
+              <a:rPr lang="en-US" altLang="ko-KR"/>
+              <a:t>			for (int j = 0; j &lt; arr_boom[i].length; j++) { // 열n의크기만큼 반복</a:t>
+            </a:r>
+            <a:endParaRPr lang="en-US" altLang="ko-KR"/>
+          </a:p>
+          <a:p>
+            <a:pPr>
+              <a:defRPr/>
+            </a:pPr>
+            <a:r>
+              <a:rPr lang="en-US" altLang="ko-KR"/>
+              <a:t>				System.out.print(arr_boom[i][j] + " ");</a:t>
+            </a:r>
+            <a:endParaRPr lang="en-US" altLang="ko-KR"/>
+          </a:p>
+          <a:p>
+            <a:pPr>
+              <a:defRPr/>
+            </a:pPr>
+            <a:r>
+              <a:rPr lang="en-US" altLang="ko-KR"/>
+              <a:t>			}</a:t>
+            </a:r>
+            <a:endParaRPr lang="en-US" altLang="ko-KR"/>
+          </a:p>
+          <a:p>
+            <a:pPr>
+              <a:defRPr/>
+            </a:pPr>
+            <a:r>
+              <a:rPr lang="en-US" altLang="ko-KR"/>
+              <a:t>			System.out.println();</a:t>
+            </a:r>
+            <a:endParaRPr lang="en-US" altLang="ko-KR"/>
+          </a:p>
+          <a:p>
+            <a:pPr>
+              <a:defRPr/>
+            </a:pPr>
+            <a:r>
+              <a:rPr lang="en-US" altLang="ko-KR"/>
+              <a:t>		}</a:t>
+            </a:r>
+            <a:endParaRPr lang="en-US" altLang="ko-KR"/>
+          </a:p>
+          <a:p>
+            <a:pPr>
+              <a:defRPr/>
+            </a:pPr>
+            <a:r>
+              <a:rPr lang="en-US" altLang="ko-KR"/>
+              <a:t>		System.out.println();</a:t>
+            </a:r>
+            <a:endParaRPr lang="en-US" altLang="ko-KR"/>
+          </a:p>
+          <a:p>
+            <a:pPr>
+              <a:defRPr/>
+            </a:pPr>
+            <a:endParaRPr lang="en-US" altLang="ko-KR"/>
+          </a:p>
+          <a:p>
+            <a:pPr>
+              <a:defRPr/>
+            </a:pPr>
+            <a:r>
+              <a:rPr lang="en-US" altLang="ko-KR"/>
+              <a:t>		// 폭탄배열(arr_boom)을 숫자폭탄배열로 만드는 스크립트</a:t>
+            </a:r>
+            <a:endParaRPr lang="en-US" altLang="ko-KR"/>
+          </a:p>
+          <a:p>
+            <a:pPr>
+              <a:defRPr/>
+            </a:pPr>
+            <a:r>
+              <a:rPr lang="en-US" altLang="ko-KR"/>
+              <a:t>		// 숫자가 있더라도 *이라는 특수문자가 있으므로 캐릭터타입의 행렬을 만든다.</a:t>
+            </a:r>
+            <a:endParaRPr lang="en-US" altLang="ko-KR"/>
+          </a:p>
+          <a:p>
+            <a:pPr>
+              <a:defRPr/>
+            </a:pPr>
+            <a:r>
+              <a:rPr lang="en-US" altLang="ko-KR"/>
+              <a:t>		// (정수값 숫자가 아닌, 문자숫자가 들어간다.)</a:t>
+            </a:r>
+            <a:endParaRPr lang="en-US" altLang="ko-KR"/>
+          </a:p>
+          <a:p>
+            <a:pPr>
+              <a:defRPr/>
+            </a:pPr>
+            <a:r>
+              <a:rPr lang="en-US" altLang="ko-KR"/>
+              <a:t>		char[][] arr_num = new char[m][n]; // m,n에 맞는 행열 생성</a:t>
+            </a:r>
+            <a:endParaRPr lang="en-US" altLang="ko-KR"/>
+          </a:p>
+          <a:p>
+            <a:pPr>
+              <a:defRPr/>
+            </a:pPr>
+            <a:r>
+              <a:rPr lang="en-US" altLang="ko-KR"/>
+              <a:t>		//</a:t>
+            </a:r>
+            <a:endParaRPr lang="en-US" altLang="ko-KR"/>
+          </a:p>
+          <a:p>
+            <a:pPr>
+              <a:defRPr/>
+            </a:pPr>
+            <a:r>
+              <a:rPr lang="en-US" altLang="ko-KR"/>
+              <a:t>		for (int i = 0; i &lt; arr_num.length; i++) { // 행m의 크기만큼 반복</a:t>
+            </a:r>
+            <a:endParaRPr lang="en-US" altLang="ko-KR"/>
+          </a:p>
+          <a:p>
+            <a:pPr>
+              <a:defRPr/>
+            </a:pPr>
+            <a:r>
+              <a:rPr lang="en-US" altLang="ko-KR"/>
+              <a:t>			for (int j = 0; j &lt; arr_num[i].length; j++) { // 열n의크기만큼 반복</a:t>
+            </a:r>
+            <a:endParaRPr lang="en-US" altLang="ko-KR"/>
+          </a:p>
+          <a:p>
+            <a:pPr>
+              <a:defRPr/>
+            </a:pPr>
+            <a:r>
+              <a:rPr lang="en-US" altLang="ko-KR"/>
+              <a:t>				if (arr_boom[i][j] == '*') {</a:t>
+            </a:r>
+            <a:endParaRPr lang="en-US" altLang="ko-KR"/>
+          </a:p>
+          <a:p>
+            <a:pPr>
+              <a:defRPr/>
+            </a:pPr>
+            <a:r>
+              <a:rPr lang="en-US" altLang="ko-KR"/>
+              <a:t>					arr_num[i][j] = '*';</a:t>
+            </a:r>
+            <a:endParaRPr lang="en-US" altLang="ko-KR"/>
+          </a:p>
+          <a:p>
+            <a:pPr>
+              <a:defRPr/>
+            </a:pPr>
+            <a:r>
+              <a:rPr lang="en-US" altLang="ko-KR"/>
+              <a:t>					continue; // 폭탄배열에 *이있으면, 계산을 하지않고 넘긴다.</a:t>
+            </a:r>
+            <a:endParaRPr lang="en-US" altLang="ko-KR"/>
+          </a:p>
+          <a:p>
+            <a:pPr>
+              <a:defRPr/>
+            </a:pPr>
+            <a:r>
+              <a:rPr lang="en-US" altLang="ko-KR"/>
+              <a:t>				}</a:t>
+            </a:r>
+            <a:endParaRPr lang="en-US" altLang="ko-KR"/>
+          </a:p>
+          <a:p>
+            <a:pPr>
+              <a:defRPr/>
+            </a:pPr>
+            <a:r>
+              <a:rPr lang="en-US" altLang="ko-KR"/>
+              <a:t>				// 배열 주위를 돌고 폭탄이있는지 점검하는 반복문</a:t>
+            </a:r>
+            <a:endParaRPr lang="en-US" altLang="ko-KR"/>
+          </a:p>
+          <a:p>
+            <a:pPr>
+              <a:defRPr/>
+            </a:pPr>
+            <a:r>
+              <a:rPr lang="en-US" altLang="ko-KR"/>
+              <a:t>				int count = 0;</a:t>
+            </a:r>
+            <a:endParaRPr lang="en-US" altLang="ko-KR"/>
+          </a:p>
+          <a:p>
+            <a:pPr>
+              <a:defRPr/>
+            </a:pPr>
+            <a:r>
+              <a:rPr lang="en-US" altLang="ko-KR"/>
+              <a:t>				for (int x = i - 1; x &lt;= i + 1; x++) {</a:t>
+            </a:r>
+            <a:endParaRPr lang="en-US" altLang="ko-KR"/>
+          </a:p>
+          <a:p>
+            <a:pPr>
+              <a:defRPr/>
+            </a:pPr>
+            <a:r>
+              <a:rPr lang="en-US" altLang="ko-KR"/>
+              <a:t>					for (int y = j - 1; y &lt;= j + 1; y++) {</a:t>
+            </a:r>
+            <a:endParaRPr lang="en-US" altLang="ko-KR"/>
+          </a:p>
+          <a:p>
+            <a:pPr>
+              <a:defRPr/>
+            </a:pPr>
+            <a:r>
+              <a:rPr lang="en-US" altLang="ko-KR"/>
+              <a:t>						try { // arr_boom[x][y]를 판별할때 예외가 생긴다.</a:t>
+            </a:r>
+            <a:endParaRPr lang="en-US" altLang="ko-KR"/>
+          </a:p>
+          <a:p>
+            <a:pPr>
+              <a:defRPr/>
+            </a:pPr>
+            <a:r>
+              <a:rPr lang="en-US" altLang="ko-KR"/>
+              <a:t>							if (arr_boom[x][y] == '*')</a:t>
+            </a:r>
+            <a:endParaRPr lang="en-US" altLang="ko-KR"/>
+          </a:p>
+          <a:p>
+            <a:pPr>
+              <a:defRPr/>
+            </a:pPr>
+            <a:r>
+              <a:rPr lang="en-US" altLang="ko-KR"/>
+              <a:t>								count++;</a:t>
+            </a:r>
+            <a:endParaRPr lang="en-US" altLang="ko-KR"/>
+          </a:p>
+          <a:p>
+            <a:pPr>
+              <a:defRPr/>
+            </a:pPr>
+            <a:r>
+              <a:rPr lang="en-US" altLang="ko-KR"/>
+              <a:t>						} catch (ArrayIndexOutOfBoundsException e) {</a:t>
+            </a:r>
+            <a:endParaRPr lang="en-US" altLang="ko-KR"/>
+          </a:p>
+          <a:p>
+            <a:pPr>
+              <a:defRPr/>
+            </a:pPr>
+            <a:r>
+              <a:rPr lang="en-US" altLang="ko-KR"/>
+              <a:t>							// continue;를 넣어도 되나, 똑같이 동작한다.</a:t>
+            </a:r>
+            <a:endParaRPr lang="en-US" altLang="ko-KR"/>
+          </a:p>
+          <a:p>
+            <a:pPr>
+              <a:defRPr/>
+            </a:pPr>
+            <a:r>
+              <a:rPr lang="en-US" altLang="ko-KR"/>
+              <a:t>						}</a:t>
+            </a:r>
+            <a:endParaRPr lang="en-US" altLang="ko-KR"/>
+          </a:p>
+          <a:p>
+            <a:pPr>
+              <a:defRPr/>
+            </a:pPr>
+            <a:r>
+              <a:rPr lang="en-US" altLang="ko-KR"/>
+              <a:t>					}</a:t>
+            </a:r>
+            <a:endParaRPr lang="en-US" altLang="ko-KR"/>
+          </a:p>
+          <a:p>
+            <a:pPr>
+              <a:defRPr/>
+            </a:pPr>
+            <a:r>
+              <a:rPr lang="en-US" altLang="ko-KR"/>
+              <a:t>				}</a:t>
+            </a:r>
+            <a:endParaRPr lang="en-US" altLang="ko-KR"/>
+          </a:p>
+          <a:p>
+            <a:pPr>
+              <a:defRPr/>
+            </a:pPr>
+            <a:endParaRPr lang="en-US" altLang="ko-KR"/>
+          </a:p>
+          <a:p>
+            <a:pPr>
+              <a:defRPr/>
+            </a:pPr>
+            <a:r>
+              <a:rPr lang="en-US" altLang="ko-KR"/>
+              <a:t>				arr_num[i][j] = (char) (count + 48);// char배열이라서 숫자문자로 변환(+48)해야한다.</a:t>
+            </a:r>
+            <a:endParaRPr lang="en-US" altLang="ko-KR"/>
+          </a:p>
+          <a:p>
+            <a:pPr>
+              <a:defRPr/>
+            </a:pPr>
+            <a:r>
+              <a:rPr lang="en-US" altLang="ko-KR"/>
+              <a:t>			}</a:t>
+            </a:r>
+            <a:endParaRPr lang="en-US" altLang="ko-KR"/>
+          </a:p>
+          <a:p>
+            <a:pPr>
+              <a:defRPr/>
+            </a:pPr>
+            <a:r>
+              <a:rPr lang="en-US" altLang="ko-KR"/>
+              <a:t>		}</a:t>
+            </a:r>
+            <a:endParaRPr lang="en-US" altLang="ko-KR"/>
+          </a:p>
+          <a:p>
+            <a:pPr>
+              <a:defRPr/>
+            </a:pPr>
+            <a:r>
+              <a:rPr lang="en-US" altLang="ko-KR"/>
+              <a:t>		for (int i = 0; i &lt; arr_num.length; i++) { // 행m의 크기만큼 반복</a:t>
+            </a:r>
+            <a:endParaRPr lang="en-US" altLang="ko-KR"/>
+          </a:p>
+          <a:p>
+            <a:pPr>
+              <a:defRPr/>
+            </a:pPr>
+            <a:r>
+              <a:rPr lang="en-US" altLang="ko-KR"/>
+              <a:t>			for (int j = 0; j &lt; arr_num[i].length; j++) { // 열n의크기만큼 반복</a:t>
+            </a:r>
+            <a:endParaRPr lang="en-US" altLang="ko-KR"/>
+          </a:p>
+          <a:p>
+            <a:pPr>
+              <a:defRPr/>
+            </a:pPr>
+            <a:r>
+              <a:rPr lang="en-US" altLang="ko-KR"/>
+              <a:t>				System.out.print(arr_num[i][j] + " ");</a:t>
+            </a:r>
+            <a:endParaRPr lang="en-US" altLang="ko-KR"/>
+          </a:p>
+          <a:p>
+            <a:pPr>
+              <a:defRPr/>
+            </a:pPr>
+            <a:r>
+              <a:rPr lang="en-US" altLang="ko-KR"/>
+              <a:t>			}</a:t>
+            </a:r>
+            <a:endParaRPr lang="en-US" altLang="ko-KR"/>
+          </a:p>
+          <a:p>
+            <a:pPr>
+              <a:defRPr/>
+            </a:pPr>
+            <a:r>
+              <a:rPr lang="en-US" altLang="ko-KR"/>
+              <a:t>			System.out.println();</a:t>
+            </a:r>
+            <a:endParaRPr lang="en-US" altLang="ko-KR"/>
+          </a:p>
+          <a:p>
+            <a:pPr>
+              <a:defRPr/>
+            </a:pPr>
+            <a:r>
+              <a:rPr lang="en-US" altLang="ko-KR"/>
+              <a:t>		}</a:t>
+            </a:r>
+            <a:endParaRPr lang="en-US" altLang="ko-KR"/>
+          </a:p>
+          <a:p>
+            <a:pPr>
+              <a:defRPr/>
+            </a:pPr>
+            <a:r>
+              <a:rPr lang="en-US" altLang="ko-KR"/>
+              <a:t>		sc.close();</a:t>
+            </a:r>
+            <a:endParaRPr lang="en-US" altLang="ko-KR"/>
+          </a:p>
+          <a:p>
+            <a:pPr>
+              <a:defRPr/>
+            </a:pPr>
+            <a:r>
+              <a:rPr lang="en-US" altLang="ko-KR"/>
+              <a:t>	}</a:t>
+            </a:r>
+            <a:endParaRPr lang="en-US" altLang="ko-KR"/>
+          </a:p>
+          <a:p>
+            <a:pPr>
+              <a:defRPr/>
+            </a:pPr>
+            <a:r>
+              <a:rPr lang="en-US" altLang="ko-KR"/>
+              <a:t>}</a:t>
+            </a:r>
+            <a:endParaRPr lang="en-US" altLang="ko-KR"/>
+          </a:p>
+        </p:txBody>
+      </p:sp>
+      <p:sp>
+        <p:nvSpPr>
+          <p:cNvPr id="4" name="슬라이드 번호 개체 틀 6"/>
+          <p:cNvSpPr>
+            <a:spLocks noGrp="1"/>
+          </p:cNvSpPr>
+          <p:nvPr>
+            <p:ph type="sldNum" sz="quarter" idx="5"/>
+          </p:nvPr>
+        </p:nvSpPr>
+        <p:spPr/>
+        <p:txBody>
+          <a:bodyPr/>
+          <a:lstStyle/>
+          <a:p>
+            <a:pPr lvl="0">
+              <a:defRPr/>
+            </a:pPr>
+            <a:fld id="{888F6EEA-5428-4D65-9868-5867F68C3D1F}" type="slidenum">
+              <a:rPr lang="en-US" altLang="en-US"/>
+              <a:pPr lvl="0">
+                <a:defRPr/>
+              </a:pPr>
+              <a:t>17</a:t>
             </a:fld>
             <a:endParaRPr lang="en-US" altLang="en-US"/>
           </a:p>
@@ -10759,6 +11553,425 @@
                 <a:srgbClr val="ff0000"/>
               </a:solidFill>
             </a:endParaRPr>
+          </a:p>
+        </p:txBody>
+      </p:sp>
+    </p:spTree>
+  </p:cSld>
+  <p:clrMapOvr>
+    <a:masterClrMapping/>
+  </p:clrMapOvr>
+  <mc:AlternateContent xmlns:mc="http://schemas.openxmlformats.org/markup-compatibility/2006">
+    <mc:Choice xmlns:p14="http://schemas.microsoft.com/office/powerpoint/2010/main" Requires="p14">
+      <p:transition xmlns:mc="http://schemas.openxmlformats.org/markup-compatibility/2006" xmlns:p14="http://schemas.microsoft.com/office/powerpoint/2010/main" mc:Ignorable="p14" p14:dur="500"/>
+    </mc:Choice>
+    <mc:Fallback>
+      <p:transition/>
+    </mc:Fallback>
+  </mc:AlternateContent>
+</p:sld>
+</file>
+
+<file path=ppt/slides/slide17.xml><?xml version="1.0" encoding="utf-8"?>
+<p:sld xmlns:r="http://schemas.openxmlformats.org/officeDocument/2006/relationships" xmlns:c="http://schemas.openxmlformats.org/drawingml/2006/chart" xmlns:a="http://schemas.openxmlformats.org/drawingml/2006/main" xmlns:dgm="http://schemas.openxmlformats.org/drawingml/2006/diagram" xmlns:dsp="http://schemas.microsoft.com/office/drawing/2008/diagram" xmlns:p="http://schemas.openxmlformats.org/presentationml/2006/main">
+  <p:cSld>
+    <p:spTree>
+      <p:nvGrpSpPr>
+        <p:cNvPr id="1" name=""/>
+        <p:cNvGrpSpPr/>
+        <p:nvPr/>
+      </p:nvGrpSpPr>
+      <p:grpSpPr>
+        <a:xfrm>
+          <a:off x="0" y="0"/>
+          <a:ext cx="0" cy="0"/>
+          <a:chOff x="0" y="0"/>
+          <a:chExt cx="0" cy="0"/>
+        </a:xfrm>
+      </p:grpSpPr>
+      <p:pic>
+        <p:nvPicPr>
+          <p:cNvPr id="4" name=""/>
+          <p:cNvPicPr>
+            <a:picLocks noChangeAspect="1"/>
+          </p:cNvPicPr>
+          <p:nvPr/>
+        </p:nvPicPr>
+        <p:blipFill rotWithShape="1">
+          <a:blip r:embed="rId3"/>
+          <a:srcRect t="1700"/>
+          <a:stretch>
+            <a:fillRect/>
+          </a:stretch>
+        </p:blipFill>
+        <p:spPr>
+          <a:xfrm>
+            <a:off x="931642" y="2161816"/>
+            <a:ext cx="5340624" cy="2534367"/>
+          </a:xfrm>
+          <a:prstGeom prst="rect">
+            <a:avLst/>
+          </a:prstGeom>
+        </p:spPr>
+      </p:pic>
+      <p:pic>
+        <p:nvPicPr>
+          <p:cNvPr id="5" name=""/>
+          <p:cNvPicPr>
+            <a:picLocks noChangeAspect="1"/>
+          </p:cNvPicPr>
+          <p:nvPr/>
+        </p:nvPicPr>
+        <p:blipFill rotWithShape="1">
+          <a:blip r:embed="rId4"/>
+          <a:stretch>
+            <a:fillRect/>
+          </a:stretch>
+        </p:blipFill>
+        <p:spPr>
+          <a:xfrm>
+            <a:off x="7727983" y="2282766"/>
+            <a:ext cx="1962250" cy="2292468"/>
+          </a:xfrm>
+          <a:prstGeom prst="rect">
+            <a:avLst/>
+          </a:prstGeom>
+          <a:effectLst>
+            <a:glow rad="190500">
+              <a:schemeClr val="accent1">
+                <a:satMod val="175000"/>
+                <a:alpha val="50000"/>
+              </a:schemeClr>
+            </a:glow>
+          </a:effectLst>
+        </p:spPr>
+      </p:pic>
+      <p:sp>
+        <p:nvSpPr>
+          <p:cNvPr id="6" name=""/>
+          <p:cNvSpPr txBox="1"/>
+          <p:nvPr/>
+        </p:nvSpPr>
+        <p:spPr>
+          <a:xfrm>
+            <a:off x="4450330" y="828424"/>
+            <a:ext cx="3291339" cy="444517"/>
+          </a:xfrm>
+          <a:prstGeom prst="rect">
+            <a:avLst/>
+          </a:prstGeom>
+        </p:spPr>
+        <p:txBody>
+          <a:bodyPr wrap="none">
+            <a:spAutoFit/>
+          </a:bodyPr>
+          <a:p>
+            <a:pPr>
+              <a:defRPr/>
+            </a:pPr>
+            <a:r>
+              <a:rPr lang="ko-KR" altLang="en-US" sz="2400">
+                <a:effectLst>
+                  <a:glow rad="190500">
+                    <a:schemeClr val="accent1">
+                      <a:satMod val="175000"/>
+                      <a:alpha val="50000"/>
+                    </a:schemeClr>
+                  </a:glow>
+                </a:effectLst>
+              </a:rPr>
+              <a:t>예외처리 해냈습니다</a:t>
+            </a:r>
+            <a:r>
+              <a:rPr lang="en-US" altLang="ko-KR" sz="2400">
+                <a:effectLst>
+                  <a:glow rad="190500">
+                    <a:schemeClr val="accent1">
+                      <a:satMod val="175000"/>
+                      <a:alpha val="50000"/>
+                    </a:schemeClr>
+                  </a:glow>
+                </a:effectLst>
+              </a:rPr>
+              <a:t>.</a:t>
+            </a:r>
+            <a:endParaRPr lang="en-US" altLang="ko-KR" sz="2400">
+              <a:effectLst>
+                <a:glow rad="190500">
+                  <a:schemeClr val="accent1">
+                    <a:satMod val="175000"/>
+                    <a:alpha val="50000"/>
+                  </a:schemeClr>
+                </a:glow>
+              </a:effectLst>
+            </a:endParaRPr>
+          </a:p>
+        </p:txBody>
+      </p:sp>
+      <p:sp>
+        <p:nvSpPr>
+          <p:cNvPr id="7" name=""/>
+          <p:cNvSpPr txBox="1"/>
+          <p:nvPr/>
+        </p:nvSpPr>
+        <p:spPr>
+          <a:xfrm>
+            <a:off x="2518409" y="5039476"/>
+            <a:ext cx="7517129" cy="1157388"/>
+          </a:xfrm>
+          <a:prstGeom prst="rect">
+            <a:avLst/>
+          </a:prstGeom>
+        </p:spPr>
+        <p:txBody>
+          <a:bodyPr vert="horz" wrap="none" lIns="91440" tIns="45720" rIns="91440" bIns="45720" anchor="t">
+            <a:spAutoFit/>
+          </a:bodyPr>
+          <a:p>
+            <a:pPr algn="ctr">
+              <a:lnSpc>
+                <a:spcPct val="130000"/>
+              </a:lnSpc>
+              <a:spcBef>
+                <a:spcPts val="0"/>
+              </a:spcBef>
+              <a:defRPr/>
+            </a:pPr>
+            <a:r>
+              <a:rPr lang="ko-KR" altLang="en-US"/>
+              <a:t>간단한 이유였어요</a:t>
+            </a:r>
+            <a:r>
+              <a:rPr lang="en-US" altLang="ko-KR"/>
+              <a:t>.</a:t>
+            </a:r>
+            <a:endParaRPr lang="en-US" altLang="ko-KR"/>
+          </a:p>
+          <a:p>
+            <a:pPr algn="ctr">
+              <a:lnSpc>
+                <a:spcPct val="130000"/>
+              </a:lnSpc>
+              <a:spcBef>
+                <a:spcPts val="0"/>
+              </a:spcBef>
+              <a:defRPr/>
+            </a:pPr>
+            <a:r>
+              <a:rPr lang="ko-KR" altLang="en-US"/>
+              <a:t>배열 초과 오류는 반복문안의 </a:t>
+            </a:r>
+            <a:r>
+              <a:rPr lang="en-US" altLang="ko-KR"/>
+              <a:t>if</a:t>
+            </a:r>
+            <a:r>
+              <a:rPr lang="ko-KR" altLang="en-US"/>
+              <a:t>문에서 발생합니다</a:t>
+            </a:r>
+            <a:r>
+              <a:rPr lang="en-US" altLang="ko-KR"/>
+              <a:t>.</a:t>
+            </a:r>
+            <a:endParaRPr lang="en-US" altLang="ko-KR"/>
+          </a:p>
+          <a:p>
+            <a:pPr algn="ctr">
+              <a:lnSpc>
+                <a:spcPct val="130000"/>
+              </a:lnSpc>
+              <a:spcBef>
+                <a:spcPts val="0"/>
+              </a:spcBef>
+              <a:defRPr/>
+            </a:pPr>
+            <a:r>
+              <a:rPr lang="ko-KR" altLang="en-US"/>
+              <a:t>반복문을 덮는게 아닌</a:t>
+            </a:r>
+            <a:r>
+              <a:rPr lang="en-US" altLang="ko-KR"/>
+              <a:t>,</a:t>
+            </a:r>
+            <a:r>
+              <a:rPr lang="ko-KR" altLang="en-US"/>
+              <a:t> 조건문만 넣어서 비워두면 되는 거였습니다</a:t>
+            </a:r>
+            <a:r>
+              <a:rPr lang="en-US" altLang="ko-KR"/>
+              <a:t>.</a:t>
+            </a:r>
+            <a:endParaRPr lang="en-US" altLang="ko-KR"/>
+          </a:p>
+        </p:txBody>
+      </p:sp>
+      <p:sp>
+        <p:nvSpPr>
+          <p:cNvPr id="8" name=""/>
+          <p:cNvSpPr txBox="1"/>
+          <p:nvPr/>
+        </p:nvSpPr>
+        <p:spPr>
+          <a:xfrm>
+            <a:off x="894847" y="1793457"/>
+            <a:ext cx="6473693" cy="300639"/>
+          </a:xfrm>
+          <a:prstGeom prst="rect">
+            <a:avLst/>
+          </a:prstGeom>
+        </p:spPr>
+        <p:txBody>
+          <a:bodyPr wrap="none">
+            <a:spAutoFit/>
+          </a:bodyPr>
+          <a:p>
+            <a:pPr>
+              <a:defRPr/>
+            </a:pPr>
+            <a:r>
+              <a:rPr lang="en-US" altLang="ko-KR" sz="1400"/>
+              <a:t>for</a:t>
+            </a:r>
+            <a:r>
+              <a:rPr lang="ko-KR" altLang="en-US" sz="1400"/>
+              <a:t>문의 조건이 음수를 줘도 상관없이 </a:t>
+            </a:r>
+            <a:r>
+              <a:rPr lang="en-US" altLang="ko-KR" sz="1400"/>
+              <a:t>if</a:t>
+            </a:r>
+            <a:r>
+              <a:rPr lang="ko-KR" altLang="en-US" sz="1400"/>
+              <a:t>문에서 배열초과오류를 격습니다</a:t>
+            </a:r>
+            <a:r>
+              <a:rPr lang="en-US" altLang="ko-KR" sz="1400"/>
+              <a:t>.</a:t>
+            </a:r>
+            <a:endParaRPr lang="en-US" altLang="ko-KR" sz="1400"/>
+          </a:p>
+        </p:txBody>
+      </p:sp>
+    </p:spTree>
+  </p:cSld>
+  <p:clrMapOvr>
+    <a:masterClrMapping/>
+  </p:clrMapOvr>
+  <mc:AlternateContent xmlns:mc="http://schemas.openxmlformats.org/markup-compatibility/2006">
+    <mc:Choice xmlns:p14="http://schemas.microsoft.com/office/powerpoint/2010/main" Requires="p14">
+      <p:transition xmlns:mc="http://schemas.openxmlformats.org/markup-compatibility/2006" xmlns:p14="http://schemas.microsoft.com/office/powerpoint/2010/main" mc:Ignorable="p14" p14:dur="500"/>
+    </mc:Choice>
+    <mc:Fallback>
+      <p:transition/>
+    </mc:Fallback>
+  </mc:AlternateContent>
+</p:sld>
+</file>
+
+<file path=ppt/slides/slide18.xml><?xml version="1.0" encoding="utf-8"?>
+<p:sld xmlns:r="http://schemas.openxmlformats.org/officeDocument/2006/relationships" xmlns:c="http://schemas.openxmlformats.org/drawingml/2006/chart" xmlns:a="http://schemas.openxmlformats.org/drawingml/2006/main" xmlns:dgm="http://schemas.openxmlformats.org/drawingml/2006/diagram" xmlns:dsp="http://schemas.microsoft.com/office/drawing/2008/diagram" xmlns:p="http://schemas.openxmlformats.org/presentationml/2006/main">
+  <p:cSld>
+    <p:spTree>
+      <p:nvGrpSpPr>
+        <p:cNvPr id="1" name=""/>
+        <p:cNvGrpSpPr/>
+        <p:nvPr/>
+      </p:nvGrpSpPr>
+      <p:grpSpPr>
+        <a:xfrm>
+          <a:off x="0" y="0"/>
+          <a:ext cx="0" cy="0"/>
+          <a:chOff x="0" y="0"/>
+          <a:chExt cx="0" cy="0"/>
+        </a:xfrm>
+      </p:grpSpPr>
+      <p:pic>
+        <p:nvPicPr>
+          <p:cNvPr id="4" name=""/>
+          <p:cNvPicPr>
+            <a:picLocks noChangeAspect="1"/>
+          </p:cNvPicPr>
+          <p:nvPr/>
+        </p:nvPicPr>
+        <p:blipFill rotWithShape="1">
+          <a:blip r:embed="rId2"/>
+          <a:stretch>
+            <a:fillRect/>
+          </a:stretch>
+        </p:blipFill>
+        <p:spPr>
+          <a:xfrm>
+            <a:off x="3565326" y="833437"/>
+            <a:ext cx="5061347" cy="5191125"/>
+          </a:xfrm>
+          <a:prstGeom prst="rect">
+            <a:avLst/>
+          </a:prstGeom>
+        </p:spPr>
+      </p:pic>
+      <p:sp>
+        <p:nvSpPr>
+          <p:cNvPr id="5" name=""/>
+          <p:cNvSpPr txBox="1"/>
+          <p:nvPr/>
+        </p:nvSpPr>
+        <p:spPr>
+          <a:xfrm>
+            <a:off x="3441808" y="264443"/>
+            <a:ext cx="5308383" cy="362301"/>
+          </a:xfrm>
+          <a:prstGeom prst="rect">
+            <a:avLst/>
+          </a:prstGeom>
+        </p:spPr>
+        <p:txBody>
+          <a:bodyPr wrap="square">
+            <a:spAutoFit/>
+          </a:bodyPr>
+          <a:p>
+            <a:pPr>
+              <a:defRPr/>
+            </a:pPr>
+            <a:r>
+              <a:rPr lang="ko-KR" altLang="en-US"/>
+              <a:t>왜 저거 때문에 일주일이나 기분을 배렸을까요</a:t>
+            </a:r>
+            <a:r>
+              <a:rPr lang="en-US" altLang="ko-KR"/>
+              <a:t>?</a:t>
+            </a:r>
+            <a:endParaRPr lang="en-US" altLang="ko-KR"/>
+          </a:p>
+        </p:txBody>
+      </p:sp>
+      <p:sp>
+        <p:nvSpPr>
+          <p:cNvPr id="6" name=""/>
+          <p:cNvSpPr txBox="1"/>
+          <p:nvPr/>
+        </p:nvSpPr>
+        <p:spPr>
+          <a:xfrm>
+            <a:off x="3441808" y="6123572"/>
+            <a:ext cx="5308383" cy="362301"/>
+          </a:xfrm>
+          <a:prstGeom prst="rect">
+            <a:avLst/>
+          </a:prstGeom>
+        </p:spPr>
+        <p:txBody>
+          <a:bodyPr wrap="square">
+            <a:spAutoFit/>
+          </a:bodyPr>
+          <a:p>
+            <a:pPr algn="ctr">
+              <a:defRPr/>
+            </a:pPr>
+            <a:r>
+              <a:rPr lang="ko-KR" altLang="en-US"/>
+              <a:t>다하고 나서 보니까 별거 아닌 문제였는데</a:t>
+            </a:r>
+            <a:endParaRPr lang="ko-KR" altLang="en-US"/>
           </a:p>
         </p:txBody>
       </p:sp>
